--- a/reference_content/Slides/1 - Intro Machine Learning.pptx
+++ b/reference_content/Slides/1 - Intro Machine Learning.pptx
@@ -18,6 +18,10 @@
     <p:sldId id="267" r:id="rId12"/>
     <p:sldId id="263" r:id="rId13"/>
     <p:sldId id="268" r:id="rId14"/>
+    <p:sldId id="272" r:id="rId15"/>
+    <p:sldId id="269" r:id="rId16"/>
+    <p:sldId id="270" r:id="rId17"/>
+    <p:sldId id="271" r:id="rId18"/>
   </p:sldIdLst>
   <p:sldSz cx="12192000" cy="6858000"/>
   <p:notesSz cx="6858000" cy="9144000"/>
@@ -656,7 +660,7 @@
           <a:p>
             <a:fld id="{4DC690A9-B0D7-3E4F-A958-E6FA8EDA03A0}" type="datetimeFigureOut">
               <a:rPr lang="en-US" smtClean="0"/>
-              <a:t>8/16/21</a:t>
+              <a:t>1/9/25</a:t>
             </a:fld>
             <a:endParaRPr lang="en-US"/>
           </a:p>
@@ -867,7 +871,7 @@
           <a:p>
             <a:fld id="{4DC690A9-B0D7-3E4F-A958-E6FA8EDA03A0}" type="datetimeFigureOut">
               <a:rPr lang="en-US" smtClean="0"/>
-              <a:t>8/16/21</a:t>
+              <a:t>1/9/25</a:t>
             </a:fld>
             <a:endParaRPr lang="en-US"/>
           </a:p>
@@ -1082,7 +1086,7 @@
           <a:p>
             <a:fld id="{4DC690A9-B0D7-3E4F-A958-E6FA8EDA03A0}" type="datetimeFigureOut">
               <a:rPr lang="en-US" smtClean="0"/>
-              <a:t>8/16/21</a:t>
+              <a:t>1/9/25</a:t>
             </a:fld>
             <a:endParaRPr lang="en-US"/>
           </a:p>
@@ -1300,7 +1304,7 @@
           <a:p>
             <a:fld id="{4DC690A9-B0D7-3E4F-A958-E6FA8EDA03A0}" type="datetimeFigureOut">
               <a:rPr lang="en-US" smtClean="0"/>
-              <a:t>8/16/21</a:t>
+              <a:t>1/9/25</a:t>
             </a:fld>
             <a:endParaRPr lang="en-US"/>
           </a:p>
@@ -1579,7 +1583,7 @@
           <a:p>
             <a:fld id="{4DC690A9-B0D7-3E4F-A958-E6FA8EDA03A0}" type="datetimeFigureOut">
               <a:rPr lang="en-US" smtClean="0"/>
-              <a:t>8/16/21</a:t>
+              <a:t>1/9/25</a:t>
             </a:fld>
             <a:endParaRPr lang="en-US"/>
           </a:p>
@@ -1847,7 +1851,7 @@
           <a:p>
             <a:fld id="{4DC690A9-B0D7-3E4F-A958-E6FA8EDA03A0}" type="datetimeFigureOut">
               <a:rPr lang="en-US" smtClean="0"/>
-              <a:t>8/16/21</a:t>
+              <a:t>1/9/25</a:t>
             </a:fld>
             <a:endParaRPr lang="en-US"/>
           </a:p>
@@ -2263,7 +2267,7 @@
           <a:p>
             <a:fld id="{4DC690A9-B0D7-3E4F-A958-E6FA8EDA03A0}" type="datetimeFigureOut">
               <a:rPr lang="en-US" smtClean="0"/>
-              <a:t>8/16/21</a:t>
+              <a:t>1/9/25</a:t>
             </a:fld>
             <a:endParaRPr lang="en-US"/>
           </a:p>
@@ -2412,7 +2416,7 @@
           <a:p>
             <a:fld id="{4DC690A9-B0D7-3E4F-A958-E6FA8EDA03A0}" type="datetimeFigureOut">
               <a:rPr lang="en-US" smtClean="0"/>
-              <a:t>8/16/21</a:t>
+              <a:t>1/9/25</a:t>
             </a:fld>
             <a:endParaRPr lang="en-US"/>
           </a:p>
@@ -2538,7 +2542,7 @@
           <a:p>
             <a:fld id="{4DC690A9-B0D7-3E4F-A958-E6FA8EDA03A0}" type="datetimeFigureOut">
               <a:rPr lang="en-US" smtClean="0"/>
-              <a:t>8/16/21</a:t>
+              <a:t>1/9/25</a:t>
             </a:fld>
             <a:endParaRPr lang="en-US"/>
           </a:p>
@@ -2789,7 +2793,7 @@
           <a:p>
             <a:fld id="{4DC690A9-B0D7-3E4F-A958-E6FA8EDA03A0}" type="datetimeFigureOut">
               <a:rPr lang="en-US" smtClean="0"/>
-              <a:t>8/16/21</a:t>
+              <a:t>1/9/25</a:t>
             </a:fld>
             <a:endParaRPr lang="en-US"/>
           </a:p>
@@ -3234,7 +3238,7 @@
           <a:p>
             <a:fld id="{4DC690A9-B0D7-3E4F-A958-E6FA8EDA03A0}" type="datetimeFigureOut">
               <a:rPr lang="en-US" smtClean="0"/>
-              <a:t>8/16/21</a:t>
+              <a:t>1/9/25</a:t>
             </a:fld>
             <a:endParaRPr lang="en-US"/>
           </a:p>
@@ -3561,7 +3565,7 @@
           <a:p>
             <a:fld id="{4DC690A9-B0D7-3E4F-A958-E6FA8EDA03A0}" type="datetimeFigureOut">
               <a:rPr lang="en-US" smtClean="0"/>
-              <a:t>8/16/21</a:t>
+              <a:t>1/9/25</a:t>
             </a:fld>
             <a:endParaRPr lang="en-US"/>
           </a:p>
@@ -4513,6 +4517,225 @@
 </p:sld>
 </file>
 
+<file path=ppt/slides/slide14.xml><?xml version="1.0" encoding="utf-8"?>
+<p:sld xmlns:a="http://schemas.openxmlformats.org/drawingml/2006/main" xmlns:r="http://schemas.openxmlformats.org/officeDocument/2006/relationships" xmlns:p="http://schemas.openxmlformats.org/presentationml/2006/main">
+  <p:cSld>
+    <p:spTree>
+      <p:nvGrpSpPr>
+        <p:cNvPr id="1" name=""/>
+        <p:cNvGrpSpPr/>
+        <p:nvPr/>
+      </p:nvGrpSpPr>
+      <p:grpSpPr>
+        <a:xfrm>
+          <a:off x="0" y="0"/>
+          <a:ext cx="0" cy="0"/>
+          <a:chOff x="0" y="0"/>
+          <a:chExt cx="0" cy="0"/>
+        </a:xfrm>
+      </p:grpSpPr>
+      <p:sp>
+        <p:nvSpPr>
+          <p:cNvPr id="2" name="Title 1">
+            <a:extLst>
+              <a:ext uri="{FF2B5EF4-FFF2-40B4-BE49-F238E27FC236}">
+                <a16:creationId xmlns:a16="http://schemas.microsoft.com/office/drawing/2014/main" id="{9E18518A-2E52-014E-5328-B72B61B9658C}"/>
+              </a:ext>
+            </a:extLst>
+          </p:cNvPr>
+          <p:cNvSpPr>
+            <a:spLocks noGrp="1"/>
+          </p:cNvSpPr>
+          <p:nvPr>
+            <p:ph type="title"/>
+          </p:nvPr>
+        </p:nvSpPr>
+        <p:spPr/>
+        <p:txBody>
+          <a:bodyPr/>
+          <a:lstStyle/>
+          <a:p>
+            <a:r>
+              <a:rPr lang="en-US" dirty="0"/>
+              <a:t>Review – Regression and Gradient Descent</a:t>
+            </a:r>
+          </a:p>
+        </p:txBody>
+      </p:sp>
+      <p:sp>
+        <p:nvSpPr>
+          <p:cNvPr id="3" name="Content Placeholder 2">
+            <a:extLst>
+              <a:ext uri="{FF2B5EF4-FFF2-40B4-BE49-F238E27FC236}">
+                <a16:creationId xmlns:a16="http://schemas.microsoft.com/office/drawing/2014/main" id="{0FA75469-086D-1405-3B6A-BB0DEC695B99}"/>
+              </a:ext>
+            </a:extLst>
+          </p:cNvPr>
+          <p:cNvSpPr>
+            <a:spLocks noGrp="1"/>
+          </p:cNvSpPr>
+          <p:nvPr>
+            <p:ph idx="1"/>
+          </p:nvPr>
+        </p:nvSpPr>
+        <p:spPr/>
+        <p:txBody>
+          <a:bodyPr/>
+          <a:lstStyle/>
+          <a:p>
+            <a:endParaRPr lang="en-US"/>
+          </a:p>
+        </p:txBody>
+      </p:sp>
+      <p:pic>
+        <p:nvPicPr>
+          <p:cNvPr id="4" name="Google Shape;66;p18">
+            <a:extLst>
+              <a:ext uri="{FF2B5EF4-FFF2-40B4-BE49-F238E27FC236}">
+                <a16:creationId xmlns:a16="http://schemas.microsoft.com/office/drawing/2014/main" id="{6F6C9129-109E-6937-FAFD-ACC16E90B94E}"/>
+              </a:ext>
+            </a:extLst>
+          </p:cNvPr>
+          <p:cNvPicPr preferRelativeResize="0"/>
+          <p:nvPr/>
+        </p:nvPicPr>
+        <p:blipFill>
+          <a:blip r:embed="rId2">
+            <a:alphaModFix/>
+          </a:blip>
+          <a:stretch>
+            <a:fillRect/>
+          </a:stretch>
+        </p:blipFill>
+        <p:spPr>
+          <a:xfrm>
+            <a:off x="0" y="1883662"/>
+            <a:ext cx="5906530" cy="4974337"/>
+          </a:xfrm>
+          <a:prstGeom prst="rect">
+            <a:avLst/>
+          </a:prstGeom>
+          <a:noFill/>
+          <a:ln>
+            <a:noFill/>
+          </a:ln>
+        </p:spPr>
+      </p:pic>
+    </p:spTree>
+    <p:extLst>
+      <p:ext uri="{BB962C8B-B14F-4D97-AF65-F5344CB8AC3E}">
+        <p14:creationId xmlns:p14="http://schemas.microsoft.com/office/powerpoint/2010/main" val="4150381018"/>
+      </p:ext>
+    </p:extLst>
+  </p:cSld>
+  <p:clrMapOvr>
+    <a:masterClrMapping/>
+  </p:clrMapOvr>
+</p:sld>
+</file>
+
+<file path=ppt/slides/slide15.xml><?xml version="1.0" encoding="utf-8"?>
+<p:sld xmlns:a="http://schemas.openxmlformats.org/drawingml/2006/main" xmlns:r="http://schemas.openxmlformats.org/officeDocument/2006/relationships" xmlns:p="http://schemas.openxmlformats.org/presentationml/2006/main">
+  <p:cSld>
+    <p:spTree>
+      <p:nvGrpSpPr>
+        <p:cNvPr id="1" name=""/>
+        <p:cNvGrpSpPr/>
+        <p:nvPr/>
+      </p:nvGrpSpPr>
+      <p:grpSpPr>
+        <a:xfrm>
+          <a:off x="0" y="0"/>
+          <a:ext cx="0" cy="0"/>
+          <a:chOff x="0" y="0"/>
+          <a:chExt cx="0" cy="0"/>
+        </a:xfrm>
+      </p:grpSpPr>
+    </p:spTree>
+    <p:extLst>
+      <p:ext uri="{BB962C8B-B14F-4D97-AF65-F5344CB8AC3E}">
+        <p14:creationId xmlns:p14="http://schemas.microsoft.com/office/powerpoint/2010/main" val="2457218937"/>
+      </p:ext>
+    </p:extLst>
+  </p:cSld>
+  <p:clrMapOvr>
+    <a:masterClrMapping/>
+  </p:clrMapOvr>
+</p:sld>
+</file>
+
+<file path=ppt/slides/slide16.xml><?xml version="1.0" encoding="utf-8"?>
+<p:sld xmlns:a="http://schemas.openxmlformats.org/drawingml/2006/main" xmlns:r="http://schemas.openxmlformats.org/officeDocument/2006/relationships" xmlns:p="http://schemas.openxmlformats.org/presentationml/2006/main">
+  <p:cSld>
+    <p:spTree>
+      <p:nvGrpSpPr>
+        <p:cNvPr id="1" name="">
+          <a:extLst>
+            <a:ext uri="{FF2B5EF4-FFF2-40B4-BE49-F238E27FC236}">
+              <a16:creationId xmlns:a16="http://schemas.microsoft.com/office/drawing/2014/main" id="{7B654D8A-8452-B932-7AA2-BF9AD4C8DEEE}"/>
+            </a:ext>
+          </a:extLst>
+        </p:cNvPr>
+        <p:cNvGrpSpPr/>
+        <p:nvPr/>
+      </p:nvGrpSpPr>
+      <p:grpSpPr>
+        <a:xfrm>
+          <a:off x="0" y="0"/>
+          <a:ext cx="0" cy="0"/>
+          <a:chOff x="0" y="0"/>
+          <a:chExt cx="0" cy="0"/>
+        </a:xfrm>
+      </p:grpSpPr>
+    </p:spTree>
+    <p:extLst>
+      <p:ext uri="{BB962C8B-B14F-4D97-AF65-F5344CB8AC3E}">
+        <p14:creationId xmlns:p14="http://schemas.microsoft.com/office/powerpoint/2010/main" val="4084347283"/>
+      </p:ext>
+    </p:extLst>
+  </p:cSld>
+  <p:clrMapOvr>
+    <a:masterClrMapping/>
+  </p:clrMapOvr>
+</p:sld>
+</file>
+
+<file path=ppt/slides/slide17.xml><?xml version="1.0" encoding="utf-8"?>
+<p:sld xmlns:a="http://schemas.openxmlformats.org/drawingml/2006/main" xmlns:r="http://schemas.openxmlformats.org/officeDocument/2006/relationships" xmlns:p="http://schemas.openxmlformats.org/presentationml/2006/main">
+  <p:cSld>
+    <p:spTree>
+      <p:nvGrpSpPr>
+        <p:cNvPr id="1" name="">
+          <a:extLst>
+            <a:ext uri="{FF2B5EF4-FFF2-40B4-BE49-F238E27FC236}">
+              <a16:creationId xmlns:a16="http://schemas.microsoft.com/office/drawing/2014/main" id="{CF9C4510-BA31-1EE0-2CF1-7391548AA634}"/>
+            </a:ext>
+          </a:extLst>
+        </p:cNvPr>
+        <p:cNvGrpSpPr/>
+        <p:nvPr/>
+      </p:nvGrpSpPr>
+      <p:grpSpPr>
+        <a:xfrm>
+          <a:off x="0" y="0"/>
+          <a:ext cx="0" cy="0"/>
+          <a:chOff x="0" y="0"/>
+          <a:chExt cx="0" cy="0"/>
+        </a:xfrm>
+      </p:grpSpPr>
+    </p:spTree>
+    <p:extLst>
+      <p:ext uri="{BB962C8B-B14F-4D97-AF65-F5344CB8AC3E}">
+        <p14:creationId xmlns:p14="http://schemas.microsoft.com/office/powerpoint/2010/main" val="1659773987"/>
+      </p:ext>
+    </p:extLst>
+  </p:cSld>
+  <p:clrMapOvr>
+    <a:masterClrMapping/>
+  </p:clrMapOvr>
+</p:sld>
+</file>
+
 <file path=ppt/slides/slide2.xml><?xml version="1.0" encoding="utf-8"?>
 <p:sld xmlns:a="http://schemas.openxmlformats.org/drawingml/2006/main" xmlns:r="http://schemas.openxmlformats.org/officeDocument/2006/relationships" xmlns:p="http://schemas.openxmlformats.org/presentationml/2006/main">
   <p:cSld>
@@ -4753,6 +4976,13 @@
             <a:schemeClr val="lt1"/>
           </a:fontRef>
         </p:style>
+        <p:txBody>
+          <a:bodyPr/>
+          <a:lstStyle/>
+          <a:p>
+            <a:endParaRPr lang="en-US"/>
+          </a:p>
+        </p:txBody>
       </p:sp>
       <p:pic>
         <p:nvPicPr>
